--- a/Slides curso.pptx
+++ b/Slides curso.pptx
@@ -5,22 +5,23 @@
     <p:sldMasterId id="2147483648" r:id="rId1"/>
   </p:sldMasterIdLst>
   <p:notesMasterIdLst>
-    <p:notesMasterId r:id="rId15"/>
+    <p:notesMasterId r:id="rId16"/>
   </p:notesMasterIdLst>
   <p:sldIdLst>
     <p:sldId id="256" r:id="rId2"/>
     <p:sldId id="300" r:id="rId3"/>
-    <p:sldId id="346" r:id="rId4"/>
-    <p:sldId id="351" r:id="rId5"/>
-    <p:sldId id="349" r:id="rId6"/>
-    <p:sldId id="350" r:id="rId7"/>
-    <p:sldId id="354" r:id="rId8"/>
-    <p:sldId id="352" r:id="rId9"/>
-    <p:sldId id="353" r:id="rId10"/>
-    <p:sldId id="356" r:id="rId11"/>
-    <p:sldId id="355" r:id="rId12"/>
-    <p:sldId id="357" r:id="rId13"/>
-    <p:sldId id="258" r:id="rId14"/>
+    <p:sldId id="358" r:id="rId4"/>
+    <p:sldId id="346" r:id="rId5"/>
+    <p:sldId id="351" r:id="rId6"/>
+    <p:sldId id="349" r:id="rId7"/>
+    <p:sldId id="350" r:id="rId8"/>
+    <p:sldId id="354" r:id="rId9"/>
+    <p:sldId id="352" r:id="rId10"/>
+    <p:sldId id="353" r:id="rId11"/>
+    <p:sldId id="356" r:id="rId12"/>
+    <p:sldId id="355" r:id="rId13"/>
+    <p:sldId id="357" r:id="rId14"/>
+    <p:sldId id="258" r:id="rId15"/>
   </p:sldIdLst>
   <p:sldSz cx="12192000" cy="6858000"/>
   <p:notesSz cx="6858000" cy="9144000"/>
@@ -258,7 +259,7 @@
       <p15:sldGuideLst xmlns:p15="http://schemas.microsoft.com/office/powerpoint/2012/main"/>
     </p:ext>
     <p:ext uri="GoogleSlidesCustomDataVersion2">
-      <go:slidesCustomData xmlns="" xmlns:mc="http://schemas.openxmlformats.org/markup-compatibility/2006" xmlns:mv="urn:schemas-microsoft-com:mac:vml" xmlns:c="http://schemas.openxmlformats.org/drawingml/2006/chart" xmlns:dgm="http://schemas.openxmlformats.org/drawingml/2006/diagram" xmlns:o="urn:schemas-microsoft-com:office:office" xmlns:v="urn:schemas-microsoft-com:vml" xmlns:pvml="urn:schemas-microsoft-com:office:powerpoint" xmlns:com="http://schemas.openxmlformats.org/drawingml/2006/compatibility" xmlns:p14="http://schemas.microsoft.com/office/powerpoint/2010/main" xmlns:p15="http://schemas.microsoft.com/office/powerpoint/2012/main" xmlns:ahyp="http://schemas.microsoft.com/office/drawing/2018/hyperlinkcolor" xmlns:go="http://customooxmlschemas.google.com/" r:id="rId45" roundtripDataSignature="AMtx7mhmLyhP/tkjBEgRf3hx15IwdV1fcg=="/>
+      <go:slidesCustomData xmlns:go="http://customooxmlschemas.google.com/" xmlns:ahyp="http://schemas.microsoft.com/office/drawing/2018/hyperlinkcolor" xmlns:p15="http://schemas.microsoft.com/office/powerpoint/2012/main" xmlns:p14="http://schemas.microsoft.com/office/powerpoint/2010/main" xmlns:com="http://schemas.openxmlformats.org/drawingml/2006/compatibility" xmlns:pvml="urn:schemas-microsoft-com:office:powerpoint" xmlns:v="urn:schemas-microsoft-com:vml" xmlns:o="urn:schemas-microsoft-com:office:office" xmlns:dgm="http://schemas.openxmlformats.org/drawingml/2006/diagram" xmlns:c="http://schemas.openxmlformats.org/drawingml/2006/chart" xmlns:mv="urn:schemas-microsoft-com:mac:vml" xmlns:mc="http://schemas.openxmlformats.org/markup-compatibility/2006" xmlns="" r:id="rId45" roundtripDataSignature="AMtx7mhmLyhP/tkjBEgRf3hx15IwdV1fcg=="/>
     </p:ext>
   </p:extLst>
 </p:presentation>
@@ -1651,7 +1652,7 @@
           <a:p>
             <a:fld id="{08B4954F-2A94-4866-B4CB-8D21FA165312}" type="slidenum">
               <a:rPr lang="pt-BR" smtClean="0"/>
-              <a:t>6</a:t>
+              <a:t>7</a:t>
             </a:fld>
             <a:endParaRPr lang="pt-BR"/>
           </a:p>
@@ -8346,7 +8347,7 @@
           </a:bodyPr>
           <a:lstStyle/>
           <a:p>
-            <a:pPr marL="0" lvl="0" indent="0" algn="l" rtl="0">
+            <a:pPr marL="0" lvl="0" indent="0" rtl="0">
               <a:lnSpc>
                 <a:spcPct val="90000"/>
               </a:lnSpc>
@@ -8364,14 +8365,13 @@
               <a:buNone/>
             </a:pPr>
             <a:r>
-              <a:rPr lang="pt-BR" sz="4800" b="1" dirty="0"/>
-              <a:t>Desenvolvendo relatórios de pesquisa com R e .</a:t>
+              <a:rPr lang="pt-BR" sz="3600" dirty="0">
+                <a:effectLst/>
+                <a:ea typeface="Times New Roman" panose="02020603050405020304" pitchFamily="18" charset="0"/>
+              </a:rPr>
+              <a:t>Criando relatórios de pesquisa usando R: uma estratégia para apoiar a ciência aberta no Brasil</a:t>
             </a:r>
-            <a:r>
-              <a:rPr lang="pt-BR" sz="4800" b="1" dirty="0" err="1"/>
-              <a:t>qmd</a:t>
-            </a:r>
-            <a:endParaRPr sz="4800" dirty="0"/>
+            <a:endParaRPr lang="pt-BR" sz="8000" dirty="0"/>
           </a:p>
         </p:txBody>
       </p:sp>
@@ -8510,6 +8510,116 @@
           <p:cNvPr id="2" name="Título 1">
             <a:extLst>
               <a:ext uri="{FF2B5EF4-FFF2-40B4-BE49-F238E27FC236}">
+                <a16:creationId xmlns:a16="http://schemas.microsoft.com/office/drawing/2014/main" id="{EF90D099-7078-4FF3-8385-D0353DC8C972}"/>
+              </a:ext>
+            </a:extLst>
+          </p:cNvPr>
+          <p:cNvSpPr>
+            <a:spLocks noGrp="1"/>
+          </p:cNvSpPr>
+          <p:nvPr>
+            <p:ph type="title"/>
+          </p:nvPr>
+        </p:nvSpPr>
+        <p:spPr/>
+        <p:txBody>
+          <a:bodyPr/>
+          <a:lstStyle/>
+          <a:p>
+            <a:endParaRPr lang="pt-BR"/>
+          </a:p>
+        </p:txBody>
+      </p:sp>
+      <p:sp>
+        <p:nvSpPr>
+          <p:cNvPr id="3" name="Espaço Reservado para Conteúdo 2">
+            <a:extLst>
+              <a:ext uri="{FF2B5EF4-FFF2-40B4-BE49-F238E27FC236}">
+                <a16:creationId xmlns:a16="http://schemas.microsoft.com/office/drawing/2014/main" id="{FA07D3C9-AC66-4B21-9C8E-AEE77D2A242D}"/>
+              </a:ext>
+            </a:extLst>
+          </p:cNvPr>
+          <p:cNvSpPr>
+            <a:spLocks noGrp="1"/>
+          </p:cNvSpPr>
+          <p:nvPr>
+            <p:ph idx="1"/>
+          </p:nvPr>
+        </p:nvSpPr>
+        <p:spPr/>
+        <p:txBody>
+          <a:bodyPr/>
+          <a:lstStyle/>
+          <a:p>
+            <a:endParaRPr lang="pt-BR"/>
+          </a:p>
+        </p:txBody>
+      </p:sp>
+      <p:pic>
+        <p:nvPicPr>
+          <p:cNvPr id="7" name="Imagem 6">
+            <a:extLst>
+              <a:ext uri="{FF2B5EF4-FFF2-40B4-BE49-F238E27FC236}">
+                <a16:creationId xmlns:a16="http://schemas.microsoft.com/office/drawing/2014/main" id="{58416375-61F8-41BF-8151-645452A8F257}"/>
+              </a:ext>
+            </a:extLst>
+          </p:cNvPr>
+          <p:cNvPicPr>
+            <a:picLocks noChangeAspect="1"/>
+          </p:cNvPicPr>
+          <p:nvPr/>
+        </p:nvPicPr>
+        <p:blipFill>
+          <a:blip r:embed="rId2"/>
+          <a:stretch>
+            <a:fillRect/>
+          </a:stretch>
+        </p:blipFill>
+        <p:spPr>
+          <a:xfrm>
+            <a:off x="495006" y="868896"/>
+            <a:ext cx="11201988" cy="5120208"/>
+          </a:xfrm>
+          <a:prstGeom prst="rect">
+            <a:avLst/>
+          </a:prstGeom>
+        </p:spPr>
+      </p:pic>
+    </p:spTree>
+    <p:extLst>
+      <p:ext uri="{BB962C8B-B14F-4D97-AF65-F5344CB8AC3E}">
+        <p14:creationId xmlns:p14="http://schemas.microsoft.com/office/powerpoint/2010/main" val="2054437816"/>
+      </p:ext>
+    </p:extLst>
+  </p:cSld>
+  <p:clrMapOvr>
+    <a:masterClrMapping/>
+  </p:clrMapOvr>
+</p:sld>
+</file>
+
+<file path=ppt/slides/slide11.xml><?xml version="1.0" encoding="utf-8"?>
+<p:sld xmlns:a="http://schemas.openxmlformats.org/drawingml/2006/main" xmlns:r="http://schemas.openxmlformats.org/officeDocument/2006/relationships" xmlns:p="http://schemas.openxmlformats.org/presentationml/2006/main">
+  <p:cSld>
+    <p:spTree>
+      <p:nvGrpSpPr>
+        <p:cNvPr id="1" name=""/>
+        <p:cNvGrpSpPr/>
+        <p:nvPr/>
+      </p:nvGrpSpPr>
+      <p:grpSpPr>
+        <a:xfrm>
+          <a:off x="0" y="0"/>
+          <a:ext cx="0" cy="0"/>
+          <a:chOff x="0" y="0"/>
+          <a:chExt cx="0" cy="0"/>
+        </a:xfrm>
+      </p:grpSpPr>
+      <p:sp>
+        <p:nvSpPr>
+          <p:cNvPr id="2" name="Título 1">
+            <a:extLst>
+              <a:ext uri="{FF2B5EF4-FFF2-40B4-BE49-F238E27FC236}">
                 <a16:creationId xmlns:a16="http://schemas.microsoft.com/office/drawing/2014/main" id="{7871A240-B659-4295-86B6-D6177238761A}"/>
               </a:ext>
             </a:extLst>
@@ -8552,7 +8662,7 @@
 </p:sld>
 </file>
 
-<file path=ppt/slides/slide11.xml><?xml version="1.0" encoding="utf-8"?>
+<file path=ppt/slides/slide12.xml><?xml version="1.0" encoding="utf-8"?>
 <p:sld xmlns:a="http://schemas.openxmlformats.org/drawingml/2006/main" xmlns:r="http://schemas.openxmlformats.org/officeDocument/2006/relationships" xmlns:p="http://schemas.openxmlformats.org/presentationml/2006/main">
   <p:cSld>
     <p:spTree>
@@ -8696,7 +8806,7 @@
 </p:sld>
 </file>
 
-<file path=ppt/slides/slide12.xml><?xml version="1.0" encoding="utf-8"?>
+<file path=ppt/slides/slide13.xml><?xml version="1.0" encoding="utf-8"?>
 <p:sld xmlns:a="http://schemas.openxmlformats.org/drawingml/2006/main" xmlns:r="http://schemas.openxmlformats.org/officeDocument/2006/relationships" xmlns:p="http://schemas.openxmlformats.org/presentationml/2006/main">
   <p:cSld>
     <p:spTree>
@@ -8806,7 +8916,7 @@
 </p:sld>
 </file>
 
-<file path=ppt/slides/slide13.xml><?xml version="1.0" encoding="utf-8"?>
+<file path=ppt/slides/slide14.xml><?xml version="1.0" encoding="utf-8"?>
 <p:sld xmlns:a="http://schemas.openxmlformats.org/drawingml/2006/main" xmlns:r="http://schemas.openxmlformats.org/officeDocument/2006/relationships" xmlns:p="http://schemas.openxmlformats.org/presentationml/2006/main">
   <p:cSld>
     <p:spTree>
@@ -9240,6 +9350,66 @@
 </file>
 
 <file path=ppt/slides/slide2.xml><?xml version="1.0" encoding="utf-8"?>
+<p:sld xmlns:a="http://schemas.openxmlformats.org/drawingml/2006/main" xmlns:r="http://schemas.openxmlformats.org/officeDocument/2006/relationships" xmlns:p="http://schemas.openxmlformats.org/presentationml/2006/main">
+  <p:cSld>
+    <p:spTree>
+      <p:nvGrpSpPr>
+        <p:cNvPr id="1" name=""/>
+        <p:cNvGrpSpPr/>
+        <p:nvPr/>
+      </p:nvGrpSpPr>
+      <p:grpSpPr>
+        <a:xfrm>
+          <a:off x="0" y="0"/>
+          <a:ext cx="0" cy="0"/>
+          <a:chOff x="0" y="0"/>
+          <a:chExt cx="0" cy="0"/>
+        </a:xfrm>
+      </p:grpSpPr>
+      <p:pic>
+        <p:nvPicPr>
+          <p:cNvPr id="3" name="Imagem 2">
+            <a:extLst>
+              <a:ext uri="{FF2B5EF4-FFF2-40B4-BE49-F238E27FC236}">
+                <a16:creationId xmlns:a16="http://schemas.microsoft.com/office/drawing/2014/main" id="{7A405336-D8D5-435E-BD10-26D17446CD95}"/>
+              </a:ext>
+            </a:extLst>
+          </p:cNvPr>
+          <p:cNvPicPr>
+            <a:picLocks noChangeAspect="1"/>
+          </p:cNvPicPr>
+          <p:nvPr/>
+        </p:nvPicPr>
+        <p:blipFill>
+          <a:blip r:embed="rId2"/>
+          <a:stretch>
+            <a:fillRect/>
+          </a:stretch>
+        </p:blipFill>
+        <p:spPr>
+          <a:xfrm>
+            <a:off x="549137" y="2414898"/>
+            <a:ext cx="11093726" cy="1456810"/>
+          </a:xfrm>
+          <a:prstGeom prst="rect">
+            <a:avLst/>
+          </a:prstGeom>
+        </p:spPr>
+      </p:pic>
+    </p:spTree>
+    <p:extLst>
+      <p:ext uri="{BB962C8B-B14F-4D97-AF65-F5344CB8AC3E}">
+        <p14:creationId xmlns:p14="http://schemas.microsoft.com/office/powerpoint/2010/main" val="1297123596"/>
+      </p:ext>
+    </p:extLst>
+  </p:cSld>
+  <p:clrMapOvr>
+    <a:masterClrMapping/>
+  </p:clrMapOvr>
+</p:sld>
+</file>
+
+<file path=ppt/slides/slide3.xml><?xml version="1.0" encoding="utf-8"?>
 <p:sld xmlns:a="http://schemas.openxmlformats.org/drawingml/2006/main" xmlns:r="http://schemas.openxmlformats.org/officeDocument/2006/relationships" xmlns:p="http://schemas.openxmlformats.org/presentationml/2006/main">
   <p:cSld>
     <p:spTree>
@@ -9388,7 +9558,7 @@
     </p:spTree>
     <p:extLst>
       <p:ext uri="{BB962C8B-B14F-4D97-AF65-F5344CB8AC3E}">
-        <p14:creationId xmlns:p14="http://schemas.microsoft.com/office/powerpoint/2010/main" val="1297123596"/>
+        <p14:creationId xmlns:p14="http://schemas.microsoft.com/office/powerpoint/2010/main" val="2336679378"/>
       </p:ext>
     </p:extLst>
   </p:cSld>
@@ -9398,7 +9568,7 @@
 </p:sld>
 </file>
 
-<file path=ppt/slides/slide3.xml><?xml version="1.0" encoding="utf-8"?>
+<file path=ppt/slides/slide4.xml><?xml version="1.0" encoding="utf-8"?>
 <p:sld xmlns:a="http://schemas.openxmlformats.org/drawingml/2006/main" xmlns:r="http://schemas.openxmlformats.org/officeDocument/2006/relationships" xmlns:p="http://schemas.openxmlformats.org/presentationml/2006/main">
   <p:cSld>
     <p:spTree>
@@ -9462,7 +9632,7 @@
 </p:sld>
 </file>
 
-<file path=ppt/slides/slide4.xml><?xml version="1.0" encoding="utf-8"?>
+<file path=ppt/slides/slide5.xml><?xml version="1.0" encoding="utf-8"?>
 <p:sld xmlns:a="http://schemas.openxmlformats.org/drawingml/2006/main" xmlns:r="http://schemas.openxmlformats.org/officeDocument/2006/relationships" xmlns:p="http://schemas.openxmlformats.org/presentationml/2006/main">
   <p:cSld>
     <p:spTree>
@@ -9591,7 +9761,7 @@
 </p:sld>
 </file>
 
-<file path=ppt/slides/slide5.xml><?xml version="1.0" encoding="utf-8"?>
+<file path=ppt/slides/slide6.xml><?xml version="1.0" encoding="utf-8"?>
 <p:sld xmlns:a="http://schemas.openxmlformats.org/drawingml/2006/main" xmlns:r="http://schemas.openxmlformats.org/officeDocument/2006/relationships" xmlns:p="http://schemas.openxmlformats.org/presentationml/2006/main">
   <p:cSld>
     <p:spTree>
@@ -9738,7 +9908,7 @@
 </p:sld>
 </file>
 
-<file path=ppt/slides/slide6.xml><?xml version="1.0" encoding="utf-8"?>
+<file path=ppt/slides/slide7.xml><?xml version="1.0" encoding="utf-8"?>
 <p:sld xmlns:a="http://schemas.openxmlformats.org/drawingml/2006/main" xmlns:r="http://schemas.openxmlformats.org/officeDocument/2006/relationships" xmlns:p="http://schemas.openxmlformats.org/presentationml/2006/main">
   <p:cSld>
     <p:spTree>
@@ -9834,7 +10004,7 @@
 </p:sld>
 </file>
 
-<file path=ppt/slides/slide7.xml><?xml version="1.0" encoding="utf-8"?>
+<file path=ppt/slides/slide8.xml><?xml version="1.0" encoding="utf-8"?>
 <p:sld xmlns:a="http://schemas.openxmlformats.org/drawingml/2006/main" xmlns:r="http://schemas.openxmlformats.org/officeDocument/2006/relationships" xmlns:p="http://schemas.openxmlformats.org/presentationml/2006/main">
   <p:cSld>
     <p:spTree>
@@ -9906,7 +10076,7 @@
 </p:sld>
 </file>
 
-<file path=ppt/slides/slide8.xml><?xml version="1.0" encoding="utf-8"?>
+<file path=ppt/slides/slide9.xml><?xml version="1.0" encoding="utf-8"?>
 <p:sld xmlns:a="http://schemas.openxmlformats.org/drawingml/2006/main" xmlns:r="http://schemas.openxmlformats.org/officeDocument/2006/relationships" xmlns:p="http://schemas.openxmlformats.org/presentationml/2006/main">
   <p:cSld>
     <p:spTree>
@@ -9999,116 +10169,6 @@
     <p:extLst>
       <p:ext uri="{BB962C8B-B14F-4D97-AF65-F5344CB8AC3E}">
         <p14:creationId xmlns:p14="http://schemas.microsoft.com/office/powerpoint/2010/main" val="1908015785"/>
-      </p:ext>
-    </p:extLst>
-  </p:cSld>
-  <p:clrMapOvr>
-    <a:masterClrMapping/>
-  </p:clrMapOvr>
-</p:sld>
-</file>
-
-<file path=ppt/slides/slide9.xml><?xml version="1.0" encoding="utf-8"?>
-<p:sld xmlns:a="http://schemas.openxmlformats.org/drawingml/2006/main" xmlns:r="http://schemas.openxmlformats.org/officeDocument/2006/relationships" xmlns:p="http://schemas.openxmlformats.org/presentationml/2006/main">
-  <p:cSld>
-    <p:spTree>
-      <p:nvGrpSpPr>
-        <p:cNvPr id="1" name=""/>
-        <p:cNvGrpSpPr/>
-        <p:nvPr/>
-      </p:nvGrpSpPr>
-      <p:grpSpPr>
-        <a:xfrm>
-          <a:off x="0" y="0"/>
-          <a:ext cx="0" cy="0"/>
-          <a:chOff x="0" y="0"/>
-          <a:chExt cx="0" cy="0"/>
-        </a:xfrm>
-      </p:grpSpPr>
-      <p:sp>
-        <p:nvSpPr>
-          <p:cNvPr id="2" name="Título 1">
-            <a:extLst>
-              <a:ext uri="{FF2B5EF4-FFF2-40B4-BE49-F238E27FC236}">
-                <a16:creationId xmlns:a16="http://schemas.microsoft.com/office/drawing/2014/main" id="{EF90D099-7078-4FF3-8385-D0353DC8C972}"/>
-              </a:ext>
-            </a:extLst>
-          </p:cNvPr>
-          <p:cNvSpPr>
-            <a:spLocks noGrp="1"/>
-          </p:cNvSpPr>
-          <p:nvPr>
-            <p:ph type="title"/>
-          </p:nvPr>
-        </p:nvSpPr>
-        <p:spPr/>
-        <p:txBody>
-          <a:bodyPr/>
-          <a:lstStyle/>
-          <a:p>
-            <a:endParaRPr lang="pt-BR"/>
-          </a:p>
-        </p:txBody>
-      </p:sp>
-      <p:sp>
-        <p:nvSpPr>
-          <p:cNvPr id="3" name="Espaço Reservado para Conteúdo 2">
-            <a:extLst>
-              <a:ext uri="{FF2B5EF4-FFF2-40B4-BE49-F238E27FC236}">
-                <a16:creationId xmlns:a16="http://schemas.microsoft.com/office/drawing/2014/main" id="{FA07D3C9-AC66-4B21-9C8E-AEE77D2A242D}"/>
-              </a:ext>
-            </a:extLst>
-          </p:cNvPr>
-          <p:cNvSpPr>
-            <a:spLocks noGrp="1"/>
-          </p:cNvSpPr>
-          <p:nvPr>
-            <p:ph idx="1"/>
-          </p:nvPr>
-        </p:nvSpPr>
-        <p:spPr/>
-        <p:txBody>
-          <a:bodyPr/>
-          <a:lstStyle/>
-          <a:p>
-            <a:endParaRPr lang="pt-BR"/>
-          </a:p>
-        </p:txBody>
-      </p:sp>
-      <p:pic>
-        <p:nvPicPr>
-          <p:cNvPr id="7" name="Imagem 6">
-            <a:extLst>
-              <a:ext uri="{FF2B5EF4-FFF2-40B4-BE49-F238E27FC236}">
-                <a16:creationId xmlns:a16="http://schemas.microsoft.com/office/drawing/2014/main" id="{58416375-61F8-41BF-8151-645452A8F257}"/>
-              </a:ext>
-            </a:extLst>
-          </p:cNvPr>
-          <p:cNvPicPr>
-            <a:picLocks noChangeAspect="1"/>
-          </p:cNvPicPr>
-          <p:nvPr/>
-        </p:nvPicPr>
-        <p:blipFill>
-          <a:blip r:embed="rId2"/>
-          <a:stretch>
-            <a:fillRect/>
-          </a:stretch>
-        </p:blipFill>
-        <p:spPr>
-          <a:xfrm>
-            <a:off x="495006" y="868896"/>
-            <a:ext cx="11201988" cy="5120208"/>
-          </a:xfrm>
-          <a:prstGeom prst="rect">
-            <a:avLst/>
-          </a:prstGeom>
-        </p:spPr>
-      </p:pic>
-    </p:spTree>
-    <p:extLst>
-      <p:ext uri="{BB962C8B-B14F-4D97-AF65-F5344CB8AC3E}">
-        <p14:creationId xmlns:p14="http://schemas.microsoft.com/office/powerpoint/2010/main" val="2054437816"/>
       </p:ext>
     </p:extLst>
   </p:cSld>
